--- a/presentation/Internship PPT 4NM19CS088.pptx
+++ b/presentation/Internship PPT 4NM19CS088.pptx
@@ -772,7 +772,7 @@
             <a:fld id="{08B9EBBA-996F-894A-B54A-D6246ED52CEA}" type="datetimeFigureOut">
               <a:rPr lang="en-US" smtClean="0"/>
               <a:pPr/>
-              <a:t>5/23/2023</a:t>
+              <a:t>5/24/2023</a:t>
             </a:fld>
             <a:endParaRPr lang="en-US" dirty="0"/>
           </a:p>
@@ -1894,7 +1894,7 @@
             <a:fld id="{09B482E8-6E0E-1B4F-B1FD-C69DB9E858D9}" type="datetimeFigureOut">
               <a:rPr lang="en-US" smtClean="0"/>
               <a:pPr/>
-              <a:t>5/23/2023</a:t>
+              <a:t>5/24/2023</a:t>
             </a:fld>
             <a:endParaRPr lang="en-US" dirty="0"/>
           </a:p>
@@ -2908,7 +2908,7 @@
             <a:fld id="{09B482E8-6E0E-1B4F-B1FD-C69DB9E858D9}" type="datetimeFigureOut">
               <a:rPr lang="en-US" smtClean="0"/>
               <a:pPr/>
-              <a:t>5/23/2023</a:t>
+              <a:t>5/24/2023</a:t>
             </a:fld>
             <a:endParaRPr lang="en-US" dirty="0"/>
           </a:p>
@@ -4081,7 +4081,7 @@
             <a:fld id="{09B482E8-6E0E-1B4F-B1FD-C69DB9E858D9}" type="datetimeFigureOut">
               <a:rPr lang="en-US" smtClean="0"/>
               <a:pPr/>
-              <a:t>5/23/2023</a:t>
+              <a:t>5/24/2023</a:t>
             </a:fld>
             <a:endParaRPr lang="en-US" dirty="0"/>
           </a:p>
@@ -5145,7 +5145,7 @@
             <a:fld id="{09B482E8-6E0E-1B4F-B1FD-C69DB9E858D9}" type="datetimeFigureOut">
               <a:rPr lang="en-US" smtClean="0"/>
               <a:pPr/>
-              <a:t>5/23/2023</a:t>
+              <a:t>5/24/2023</a:t>
             </a:fld>
             <a:endParaRPr lang="en-US" dirty="0"/>
           </a:p>
@@ -5794,7 +5794,7 @@
             <a:fld id="{09B482E8-6E0E-1B4F-B1FD-C69DB9E858D9}" type="datetimeFigureOut">
               <a:rPr lang="en-US" smtClean="0"/>
               <a:pPr/>
-              <a:t>5/23/2023</a:t>
+              <a:t>5/24/2023</a:t>
             </a:fld>
             <a:endParaRPr lang="en-US" dirty="0"/>
           </a:p>
@@ -6644,7 +6644,7 @@
             <a:fld id="{09B482E8-6E0E-1B4F-B1FD-C69DB9E858D9}" type="datetimeFigureOut">
               <a:rPr lang="en-US" smtClean="0"/>
               <a:pPr/>
-              <a:t>5/23/2023</a:t>
+              <a:t>5/24/2023</a:t>
             </a:fld>
             <a:endParaRPr lang="en-US" dirty="0"/>
           </a:p>
@@ -6822,7 +6822,7 @@
             <a:fld id="{C6C52C72-DE31-F449-A4ED-4C594FD91407}" type="datetimeFigureOut">
               <a:rPr lang="en-US" smtClean="0"/>
               <a:pPr/>
-              <a:t>5/23/2023</a:t>
+              <a:t>5/24/2023</a:t>
             </a:fld>
             <a:endParaRPr lang="en-US" dirty="0"/>
           </a:p>
@@ -7822,7 +7822,7 @@
             <a:fld id="{ED62726E-379B-B349-9EED-81ED093FA806}" type="datetimeFigureOut">
               <a:rPr lang="en-US" smtClean="0"/>
               <a:pPr/>
-              <a:t>5/23/2023</a:t>
+              <a:t>5/24/2023</a:t>
             </a:fld>
             <a:endParaRPr lang="en-US" dirty="0"/>
           </a:p>
@@ -8030,7 +8030,7 @@
             <a:fld id="{9B3A1323-8D79-1946-B0D7-40001CF92E9D}" type="datetimeFigureOut">
               <a:rPr lang="en-US" smtClean="0"/>
               <a:pPr/>
-              <a:t>5/23/2023</a:t>
+              <a:t>5/24/2023</a:t>
             </a:fld>
             <a:endParaRPr lang="en-US" dirty="0"/>
           </a:p>
@@ -9094,7 +9094,7 @@
             <a:fld id="{8DFA1846-DA80-1C48-A609-854EA85C59AD}" type="datetimeFigureOut">
               <a:rPr lang="en-US" smtClean="0"/>
               <a:pPr/>
-              <a:t>5/23/2023</a:t>
+              <a:t>5/24/2023</a:t>
             </a:fld>
             <a:endParaRPr lang="en-US" dirty="0"/>
           </a:p>
@@ -9368,7 +9368,7 @@
             <a:fld id="{57302355-E14B-8545-A8F8-0FE83CC9D524}" type="datetimeFigureOut">
               <a:rPr lang="en-US" smtClean="0"/>
               <a:pPr/>
-              <a:t>5/23/2023</a:t>
+              <a:t>5/24/2023</a:t>
             </a:fld>
             <a:endParaRPr lang="en-US" dirty="0"/>
           </a:p>
@@ -9752,7 +9752,7 @@
             <a:fld id="{02640F58-564D-2B4F-AE67-E407BA4FCF45}" type="datetimeFigureOut">
               <a:rPr lang="en-US" smtClean="0"/>
               <a:pPr/>
-              <a:t>5/23/2023</a:t>
+              <a:t>5/24/2023</a:t>
             </a:fld>
             <a:endParaRPr lang="en-US" dirty="0"/>
           </a:p>
@@ -9872,7 +9872,7 @@
             <a:fld id="{F13A34C8-038E-2045-AF43-DF7DBB8E0E9E}" type="datetimeFigureOut">
               <a:rPr lang="en-US" smtClean="0"/>
               <a:pPr/>
-              <a:t>5/23/2023</a:t>
+              <a:t>5/24/2023</a:t>
             </a:fld>
             <a:endParaRPr lang="en-US" dirty="0"/>
           </a:p>
@@ -9969,7 +9969,7 @@
             <a:fld id="{8818C68F-D26B-8F47-958C-23B49CF8A634}" type="datetimeFigureOut">
               <a:rPr lang="en-US" smtClean="0"/>
               <a:pPr/>
-              <a:t>5/23/2023</a:t>
+              <a:t>5/24/2023</a:t>
             </a:fld>
             <a:endParaRPr lang="en-US" dirty="0"/>
           </a:p>
@@ -11080,7 +11080,7 @@
             <a:fld id="{D0DF5E60-9974-AC48-9591-99C2BB44B7CF}" type="datetimeFigureOut">
               <a:rPr lang="en-US" smtClean="0"/>
               <a:pPr/>
-              <a:t>5/23/2023</a:t>
+              <a:t>5/24/2023</a:t>
             </a:fld>
             <a:endParaRPr lang="en-US" dirty="0"/>
           </a:p>
@@ -12215,7 +12215,7 @@
             <a:fld id="{09B482E8-6E0E-1B4F-B1FD-C69DB9E858D9}" type="datetimeFigureOut">
               <a:rPr lang="en-US" smtClean="0"/>
               <a:pPr/>
-              <a:t>5/23/2023</a:t>
+              <a:t>5/24/2023</a:t>
             </a:fld>
             <a:endParaRPr lang="en-US" dirty="0"/>
           </a:p>
@@ -13246,7 +13246,7 @@
             <a:fld id="{09B482E8-6E0E-1B4F-B1FD-C69DB9E858D9}" type="datetimeFigureOut">
               <a:rPr lang="en-US" smtClean="0"/>
               <a:pPr/>
-              <a:t>5/23/2023</a:t>
+              <a:t>5/24/2023</a:t>
             </a:fld>
             <a:endParaRPr lang="en-US" dirty="0"/>
           </a:p>
@@ -15655,7 +15655,7 @@
         </p:blipFill>
         <p:spPr>
           <a:xfrm>
-            <a:off x="423052" y="495298"/>
+            <a:off x="423053" y="447673"/>
             <a:ext cx="11345894" cy="5438777"/>
           </a:xfrm>
           <a:prstGeom prst="rect">
@@ -16006,7 +16006,7 @@
         </p:blipFill>
         <p:spPr>
           <a:xfrm>
-            <a:off x="443132" y="466724"/>
+            <a:off x="443132" y="419099"/>
             <a:ext cx="11305736" cy="5429251"/>
           </a:xfrm>
           <a:prstGeom prst="rect">
